--- a/Food Delivery App XL by Slidesgo.pptx
+++ b/Food Delivery App XL by Slidesgo.pptx
@@ -5,7 +5,7 @@
     <p:sldMasterId id="2147483691" r:id="rId1"/>
   </p:sldMasterIdLst>
   <p:notesMasterIdLst>
-    <p:notesMasterId r:id="rId8"/>
+    <p:notesMasterId r:id="rId9"/>
   </p:notesMasterIdLst>
   <p:sldIdLst>
     <p:sldId id="256" r:id="rId2"/>
@@ -13,31 +13,32 @@
     <p:sldId id="266" r:id="rId4"/>
     <p:sldId id="298" r:id="rId5"/>
     <p:sldId id="288" r:id="rId6"/>
-    <p:sldId id="351" r:id="rId7"/>
+    <p:sldId id="306" r:id="rId7"/>
+    <p:sldId id="351" r:id="rId8"/>
   </p:sldIdLst>
   <p:sldSz cx="9144000" cy="5143500" type="screen16x9"/>
   <p:notesSz cx="6858000" cy="9144000"/>
   <p:embeddedFontLst>
     <p:embeddedFont>
       <p:font typeface="Advent Pro" panose="020B0604020202020204" charset="0"/>
-      <p:regular r:id="rId9"/>
-      <p:bold r:id="rId10"/>
-      <p:italic r:id="rId11"/>
-      <p:boldItalic r:id="rId12"/>
+      <p:regular r:id="rId10"/>
+      <p:bold r:id="rId11"/>
+      <p:italic r:id="rId12"/>
+      <p:boldItalic r:id="rId13"/>
     </p:embeddedFont>
     <p:embeddedFont>
       <p:font typeface="Open Sans" panose="020B0606030504020204" pitchFamily="34" charset="0"/>
-      <p:regular r:id="rId13"/>
-      <p:bold r:id="rId14"/>
-      <p:italic r:id="rId15"/>
-      <p:boldItalic r:id="rId16"/>
+      <p:regular r:id="rId14"/>
+      <p:bold r:id="rId15"/>
+      <p:italic r:id="rId16"/>
+      <p:boldItalic r:id="rId17"/>
     </p:embeddedFont>
     <p:embeddedFont>
       <p:font typeface="Roboto" panose="02000000000000000000" pitchFamily="2" charset="0"/>
-      <p:regular r:id="rId17"/>
-      <p:bold r:id="rId18"/>
-      <p:italic r:id="rId19"/>
-      <p:boldItalic r:id="rId20"/>
+      <p:regular r:id="rId18"/>
+      <p:bold r:id="rId19"/>
+      <p:italic r:id="rId20"/>
+      <p:boldItalic r:id="rId21"/>
     </p:embeddedFont>
   </p:embeddedFontLst>
   <p:defaultTextStyle>
@@ -279,6 +280,7 @@
             <p14:sldId id="266"/>
             <p14:sldId id="298"/>
             <p14:sldId id="288"/>
+            <p14:sldId id="306"/>
             <p14:sldId id="351"/>
           </p14:sldIdLst>
         </p14:section>
@@ -885,104 +887,79 @@
               <a:buNone/>
             </a:pPr>
             <a:r>
-              <a:rPr lang="fr-FR" dirty="0" err="1"/>
-              <a:t>Bjr</a:t>
+              <a:rPr lang="fr-FR" dirty="0"/>
+              <a:t>Bonjour tout le monde, j’espère que vous allez bien. Aujourd’hui, </a:t>
+            </a:r>
+            <a:r>
+              <a:rPr lang="fr-FR" baseline="0" dirty="0"/>
+              <a:t>on va vous </a:t>
             </a:r>
             <a:r>
               <a:rPr lang="fr-FR" dirty="0"/>
-              <a:t> tout</a:t>
+              <a:t>présenter </a:t>
             </a:r>
             <a:r>
-              <a:rPr lang="fr-FR" baseline="0" dirty="0"/>
-              <a:t> le monde </a:t>
+              <a:rPr lang="fr-FR" b="1" dirty="0" err="1"/>
+              <a:t>Marhaba</a:t>
             </a:r>
             <a:r>
-              <a:rPr lang="fr-FR" baseline="0" dirty="0" err="1"/>
-              <a:t>jespre</a:t>
+              <a:rPr lang="fr-FR" dirty="0"/>
+              <a:t>, notre application conçue pour offrir une solution simple et efficace de </a:t>
             </a:r>
             <a:r>
-              <a:rPr lang="fr-FR" baseline="0" dirty="0"/>
-              <a:t> que vous allez bien alors maintenant on va vous </a:t>
+              <a:rPr lang="fr-FR" b="1" dirty="0"/>
+              <a:t>livraison de repas</a:t>
             </a:r>
             <a:r>
-              <a:rPr lang="fr-FR" baseline="0" dirty="0" err="1"/>
-              <a:t>presenter</a:t>
+              <a:rPr lang="fr-FR" dirty="0"/>
+              <a:t>.</a:t>
+            </a:r>
+            <a:br>
+              <a:rPr lang="fr-FR" dirty="0"/>
+            </a:br>
+            <a:r>
+              <a:rPr lang="fr-FR" dirty="0"/>
+              <a:t>Ce projet a été réalisé dans le cadre de notre PFA par moi </a:t>
             </a:r>
             <a:r>
-              <a:rPr lang="fr-FR" baseline="0" dirty="0"/>
-              <a:t> notre application </a:t>
+              <a:rPr lang="fr-FR" dirty="0" err="1"/>
+              <a:t>méme</a:t>
             </a:r>
             <a:r>
-              <a:rPr lang="fr-FR" baseline="0" dirty="0" err="1"/>
-              <a:t>marhaba</a:t>
-            </a:r>
-            <a:r>
-              <a:rPr lang="fr-FR" baseline="0" dirty="0"/>
-              <a:t> qui va t </a:t>
-            </a:r>
-            <a:r>
-              <a:rPr lang="fr-FR" baseline="0" dirty="0" err="1"/>
-              <a:t>etre</a:t>
-            </a:r>
-            <a:r>
-              <a:rPr lang="fr-FR" baseline="0" dirty="0"/>
-              <a:t> votre solution de livraison de repas en fait  ce travailler est </a:t>
-            </a:r>
-            <a:r>
-              <a:rPr lang="fr-FR" baseline="0" dirty="0" err="1"/>
-              <a:t>realiser</a:t>
-            </a:r>
-            <a:r>
-              <a:rPr lang="fr-FR" baseline="0" dirty="0"/>
-              <a:t> par moi-même </a:t>
-            </a:r>
-            <a:r>
-              <a:rPr lang="fr-FR" baseline="0" dirty="0" err="1"/>
-              <a:t>azddine</a:t>
-            </a:r>
-            <a:r>
-              <a:rPr lang="fr-FR" baseline="0" dirty="0"/>
-              <a:t> et mon </a:t>
-            </a:r>
-            <a:r>
-              <a:rPr lang="fr-FR" baseline="0" dirty="0" err="1"/>
-              <a:t>collegue</a:t>
-            </a:r>
-            <a:r>
-              <a:rPr lang="fr-FR" baseline="0" dirty="0"/>
+              <a:rPr lang="fr-FR" dirty="0"/>
               <a:t> </a:t>
             </a:r>
             <a:r>
-              <a:rPr lang="fr-FR" baseline="0" dirty="0" err="1"/>
-              <a:t>zakaria</a:t>
+              <a:rPr lang="fr-FR" b="1" dirty="0"/>
+              <a:t>Azeddine</a:t>
             </a:r>
             <a:r>
-              <a:rPr lang="fr-FR" baseline="0" dirty="0"/>
-              <a:t> et encadre=</a:t>
+              <a:rPr lang="fr-FR" dirty="0"/>
+              <a:t> et mon collègue </a:t>
             </a:r>
             <a:r>
-              <a:rPr lang="fr-FR" baseline="0" dirty="0" err="1"/>
-              <a:t>ée</a:t>
+              <a:rPr lang="fr-FR" b="1" dirty="0"/>
+              <a:t>Zakaria</a:t>
             </a:r>
             <a:r>
-              <a:rPr lang="fr-FR" baseline="0" dirty="0"/>
-              <a:t> par notre cher </a:t>
+              <a:rPr lang="fr-FR" dirty="0"/>
+              <a:t>, </a:t>
             </a:r>
             <a:r>
-              <a:rPr lang="fr-FR" baseline="0" dirty="0" err="1"/>
-              <a:t>rofesseur</a:t>
+              <a:rPr lang="fr-FR" dirty="0" err="1"/>
+              <a:t>Ona</a:t>
             </a:r>
             <a:r>
-              <a:rPr lang="fr-FR" baseline="0" dirty="0"/>
-              <a:t> Younes </a:t>
+              <a:rPr lang="fr-FR" dirty="0"/>
+              <a:t> choisis d’utilise le </a:t>
             </a:r>
             <a:r>
-              <a:rPr lang="fr-FR" baseline="0" dirty="0" err="1"/>
-              <a:t>lkhrissi</a:t>
+              <a:rPr lang="fr-FR" dirty="0" err="1"/>
+              <a:t>mern</a:t>
             </a:r>
             <a:r>
-              <a:rPr lang="fr-FR" baseline="0" dirty="0"/>
-              <a:t> </a:t>
+              <a:rPr lang="fr-FR" dirty="0"/>
+              <a:t> stack afin de développer une plateforme moderne, performante et intuitive, répondant aux besoins des utilisateurs.</a:t>
             </a:r>
             <a:endParaRPr dirty="0"/>
           </a:p>
@@ -1213,7 +1190,15 @@
               </a:spcAft>
               <a:buNone/>
             </a:pPr>
-            <a:endParaRPr/>
+            <a:r>
+              <a:rPr lang="fr-FR" dirty="0"/>
+              <a:t>ON peux choisi cette application pour trouvez une solution de ce </a:t>
+            </a:r>
+            <a:r>
+              <a:rPr lang="fr-FR" dirty="0" err="1"/>
+              <a:t>problem</a:t>
+            </a:r>
+            <a:endParaRPr dirty="0"/>
           </a:p>
         </p:txBody>
       </p:sp>
@@ -1422,6 +1407,110 @@
               <a:buNone/>
             </a:pPr>
             <a:endParaRPr/>
+          </a:p>
+        </p:txBody>
+      </p:sp>
+    </p:spTree>
+  </p:cSld>
+  <p:clrMapOvr>
+    <a:masterClrMapping/>
+  </p:clrMapOvr>
+</p:notes>
+</file>
+
+<file path=ppt/notesSlides/notesSlide6.xml><?xml version="1.0" encoding="utf-8"?>
+<p:notes xmlns:a="http://schemas.openxmlformats.org/drawingml/2006/main" xmlns:r="http://schemas.openxmlformats.org/officeDocument/2006/relationships" xmlns:p="http://schemas.openxmlformats.org/presentationml/2006/main" showMasterSp="0" showMasterPhAnim="0">
+  <p:cSld>
+    <p:spTree>
+      <p:nvGrpSpPr>
+        <p:cNvPr id="1" name="Shape 2993"/>
+        <p:cNvGrpSpPr/>
+        <p:nvPr/>
+      </p:nvGrpSpPr>
+      <p:grpSpPr>
+        <a:xfrm>
+          <a:off x="0" y="0"/>
+          <a:ext cx="0" cy="0"/>
+          <a:chOff x="0" y="0"/>
+          <a:chExt cx="0" cy="0"/>
+        </a:xfrm>
+      </p:grpSpPr>
+      <p:sp>
+        <p:nvSpPr>
+          <p:cNvPr id="2994" name="Google Shape;2994;g6ba8e432a2_0_466:notes"/>
+          <p:cNvSpPr>
+            <a:spLocks noGrp="1" noRot="1" noChangeAspect="1"/>
+          </p:cNvSpPr>
+          <p:nvPr>
+            <p:ph type="sldImg" idx="2"/>
+          </p:nvPr>
+        </p:nvSpPr>
+        <p:spPr>
+          <a:xfrm>
+            <a:off x="381000" y="685800"/>
+            <a:ext cx="6096000" cy="3429000"/>
+          </a:xfrm>
+          <a:custGeom>
+            <a:avLst/>
+            <a:gdLst/>
+            <a:ahLst/>
+            <a:cxnLst/>
+            <a:rect l="l" t="t" r="r" b="b"/>
+            <a:pathLst>
+              <a:path w="120000" h="120000" extrusionOk="0">
+                <a:moveTo>
+                  <a:pt x="0" y="0"/>
+                </a:moveTo>
+                <a:lnTo>
+                  <a:pt x="120000" y="0"/>
+                </a:lnTo>
+                <a:lnTo>
+                  <a:pt x="120000" y="120000"/>
+                </a:lnTo>
+                <a:lnTo>
+                  <a:pt x="0" y="120000"/>
+                </a:lnTo>
+                <a:close/>
+              </a:path>
+            </a:pathLst>
+          </a:custGeom>
+        </p:spPr>
+      </p:sp>
+      <p:sp>
+        <p:nvSpPr>
+          <p:cNvPr id="2995" name="Google Shape;2995;g6ba8e432a2_0_466:notes"/>
+          <p:cNvSpPr txBox="1">
+            <a:spLocks noGrp="1"/>
+          </p:cNvSpPr>
+          <p:nvPr>
+            <p:ph type="body" idx="1"/>
+          </p:nvPr>
+        </p:nvSpPr>
+        <p:spPr>
+          <a:xfrm>
+            <a:off x="685800" y="4343400"/>
+            <a:ext cx="5486400" cy="4114800"/>
+          </a:xfrm>
+          <a:prstGeom prst="rect">
+            <a:avLst/>
+          </a:prstGeom>
+        </p:spPr>
+        <p:txBody>
+          <a:bodyPr spcFirstLastPara="1" wrap="square" lIns="91425" tIns="91425" rIns="91425" bIns="91425" anchor="t" anchorCtr="0">
+            <a:noAutofit/>
+          </a:bodyPr>
+          <a:lstStyle/>
+          <a:p>
+            <a:pPr marL="0" lvl="0" indent="0" algn="l" rtl="0">
+              <a:spcBef>
+                <a:spcPts val="0"/>
+              </a:spcBef>
+              <a:spcAft>
+                <a:spcPts val="0"/>
+              </a:spcAft>
+              <a:buNone/>
+            </a:pPr>
+            <a:endParaRPr dirty="0"/>
           </a:p>
         </p:txBody>
       </p:sp>
@@ -30338,6 +30427,1929 @@
   <p:cSld>
     <p:spTree>
       <p:nvGrpSpPr>
+        <p:cNvPr id="1" name="Shape 2996"/>
+        <p:cNvGrpSpPr/>
+        <p:nvPr/>
+      </p:nvGrpSpPr>
+      <p:grpSpPr>
+        <a:xfrm>
+          <a:off x="0" y="0"/>
+          <a:ext cx="0" cy="0"/>
+          <a:chOff x="0" y="0"/>
+          <a:chExt cx="0" cy="0"/>
+        </a:xfrm>
+      </p:grpSpPr>
+      <p:sp>
+        <p:nvSpPr>
+          <p:cNvPr id="2997" name="Google Shape;2997;p98"/>
+          <p:cNvSpPr/>
+          <p:nvPr/>
+        </p:nvSpPr>
+        <p:spPr>
+          <a:xfrm rot="-4254030">
+            <a:off x="6172678" y="1531765"/>
+            <a:ext cx="4385703" cy="2735710"/>
+          </a:xfrm>
+          <a:custGeom>
+            <a:avLst/>
+            <a:gdLst/>
+            <a:ahLst/>
+            <a:cxnLst/>
+            <a:rect l="l" t="t" r="r" b="b"/>
+            <a:pathLst>
+              <a:path w="280968" h="175262" extrusionOk="0">
+                <a:moveTo>
+                  <a:pt x="92655" y="1"/>
+                </a:moveTo>
+                <a:cubicBezTo>
+                  <a:pt x="86776" y="1"/>
+                  <a:pt x="80138" y="422"/>
+                  <a:pt x="72579" y="1423"/>
+                </a:cubicBezTo>
+                <a:cubicBezTo>
+                  <a:pt x="33600" y="6582"/>
+                  <a:pt x="1645" y="28443"/>
+                  <a:pt x="780" y="98934"/>
+                </a:cubicBezTo>
+                <a:cubicBezTo>
+                  <a:pt x="0" y="162463"/>
+                  <a:pt x="54837" y="175261"/>
+                  <a:pt x="99154" y="175261"/>
+                </a:cubicBezTo>
+                <a:cubicBezTo>
+                  <a:pt x="129061" y="175261"/>
+                  <a:pt x="154177" y="169432"/>
+                  <a:pt x="154177" y="169432"/>
+                </a:cubicBezTo>
+                <a:cubicBezTo>
+                  <a:pt x="154177" y="169432"/>
+                  <a:pt x="280967" y="147275"/>
+                  <a:pt x="267993" y="81444"/>
+                </a:cubicBezTo>
+                <a:cubicBezTo>
+                  <a:pt x="267282" y="77832"/>
+                  <a:pt x="260023" y="33652"/>
+                  <a:pt x="190079" y="26478"/>
+                </a:cubicBezTo>
+                <a:cubicBezTo>
+                  <a:pt x="139164" y="21255"/>
+                  <a:pt x="143064" y="12738"/>
+                  <a:pt x="131984" y="8200"/>
+                </a:cubicBezTo>
+                <a:cubicBezTo>
+                  <a:pt x="123301" y="4645"/>
+                  <a:pt x="112160" y="1"/>
+                  <a:pt x="92655" y="1"/>
+                </a:cubicBezTo>
+                <a:close/>
+              </a:path>
+            </a:pathLst>
+          </a:custGeom>
+          <a:solidFill>
+            <a:schemeClr val="accent1"/>
+          </a:solidFill>
+          <a:ln>
+            <a:noFill/>
+          </a:ln>
+        </p:spPr>
+        <p:txBody>
+          <a:bodyPr spcFirstLastPara="1" wrap="square" lIns="91425" tIns="91425" rIns="91425" bIns="91425" anchor="ctr" anchorCtr="0">
+            <a:noAutofit/>
+          </a:bodyPr>
+          <a:lstStyle/>
+          <a:p>
+            <a:pPr marL="0" lvl="0" indent="0" algn="l" rtl="0">
+              <a:spcBef>
+                <a:spcPts val="0"/>
+              </a:spcBef>
+              <a:spcAft>
+                <a:spcPts val="0"/>
+              </a:spcAft>
+              <a:buNone/>
+            </a:pPr>
+            <a:endParaRPr/>
+          </a:p>
+        </p:txBody>
+      </p:sp>
+      <p:sp>
+        <p:nvSpPr>
+          <p:cNvPr id="2998" name="Google Shape;2998;p98"/>
+          <p:cNvSpPr txBox="1">
+            <a:spLocks noGrp="1"/>
+          </p:cNvSpPr>
+          <p:nvPr>
+            <p:ph type="title"/>
+          </p:nvPr>
+        </p:nvSpPr>
+        <p:spPr>
+          <a:xfrm>
+            <a:off x="713225" y="201100"/>
+            <a:ext cx="7717500" cy="755700"/>
+          </a:xfrm>
+          <a:prstGeom prst="rect">
+            <a:avLst/>
+          </a:prstGeom>
+        </p:spPr>
+        <p:txBody>
+          <a:bodyPr spcFirstLastPara="1" wrap="square" lIns="91425" tIns="91425" rIns="91425" bIns="91425" anchor="b" anchorCtr="0">
+            <a:noAutofit/>
+          </a:bodyPr>
+          <a:lstStyle/>
+          <a:p>
+            <a:pPr marL="0" lvl="0" indent="0" algn="ctr" rtl="0">
+              <a:spcBef>
+                <a:spcPts val="0"/>
+              </a:spcBef>
+              <a:spcAft>
+                <a:spcPts val="0"/>
+              </a:spcAft>
+              <a:buNone/>
+            </a:pPr>
+            <a:r>
+              <a:rPr lang="en" dirty="0"/>
+              <a:t>Plane de L’application</a:t>
+            </a:r>
+            <a:endParaRPr dirty="0"/>
+          </a:p>
+        </p:txBody>
+      </p:sp>
+      <p:sp>
+        <p:nvSpPr>
+          <p:cNvPr id="2999" name="Google Shape;2999;p98"/>
+          <p:cNvSpPr/>
+          <p:nvPr/>
+        </p:nvSpPr>
+        <p:spPr>
+          <a:xfrm>
+            <a:off x="1123732" y="2826030"/>
+            <a:ext cx="1326186" cy="543239"/>
+          </a:xfrm>
+          <a:custGeom>
+            <a:avLst/>
+            <a:gdLst/>
+            <a:ahLst/>
+            <a:cxnLst/>
+            <a:rect l="l" t="t" r="r" b="b"/>
+            <a:pathLst>
+              <a:path w="65726" h="26923" extrusionOk="0">
+                <a:moveTo>
+                  <a:pt x="0" y="0"/>
+                </a:moveTo>
+                <a:lnTo>
+                  <a:pt x="10782" y="13477"/>
+                </a:lnTo>
+                <a:lnTo>
+                  <a:pt x="0" y="26923"/>
+                </a:lnTo>
+                <a:lnTo>
+                  <a:pt x="54943" y="26923"/>
+                </a:lnTo>
+                <a:lnTo>
+                  <a:pt x="65725" y="13477"/>
+                </a:lnTo>
+                <a:lnTo>
+                  <a:pt x="54943" y="0"/>
+                </a:lnTo>
+                <a:close/>
+              </a:path>
+            </a:pathLst>
+          </a:custGeom>
+          <a:solidFill>
+            <a:schemeClr val="accent1"/>
+          </a:solidFill>
+          <a:ln>
+            <a:noFill/>
+          </a:ln>
+        </p:spPr>
+        <p:txBody>
+          <a:bodyPr spcFirstLastPara="1" wrap="square" lIns="91425" tIns="91425" rIns="91425" bIns="91425" anchor="ctr" anchorCtr="0">
+            <a:noAutofit/>
+          </a:bodyPr>
+          <a:lstStyle/>
+          <a:p>
+            <a:pPr marL="0" lvl="0" indent="0" algn="l" rtl="0">
+              <a:spcBef>
+                <a:spcPts val="0"/>
+              </a:spcBef>
+              <a:spcAft>
+                <a:spcPts val="0"/>
+              </a:spcAft>
+              <a:buNone/>
+            </a:pPr>
+            <a:endParaRPr/>
+          </a:p>
+        </p:txBody>
+      </p:sp>
+      <p:sp>
+        <p:nvSpPr>
+          <p:cNvPr id="3000" name="Google Shape;3000;p98"/>
+          <p:cNvSpPr/>
+          <p:nvPr/>
+        </p:nvSpPr>
+        <p:spPr>
+          <a:xfrm>
+            <a:off x="2206467" y="2826030"/>
+            <a:ext cx="1326812" cy="543239"/>
+          </a:xfrm>
+          <a:custGeom>
+            <a:avLst/>
+            <a:gdLst/>
+            <a:ahLst/>
+            <a:cxnLst/>
+            <a:rect l="l" t="t" r="r" b="b"/>
+            <a:pathLst>
+              <a:path w="65757" h="26923" extrusionOk="0">
+                <a:moveTo>
+                  <a:pt x="0" y="0"/>
+                </a:moveTo>
+                <a:lnTo>
+                  <a:pt x="10782" y="13477"/>
+                </a:lnTo>
+                <a:lnTo>
+                  <a:pt x="0" y="26923"/>
+                </a:lnTo>
+                <a:lnTo>
+                  <a:pt x="54975" y="26923"/>
+                </a:lnTo>
+                <a:lnTo>
+                  <a:pt x="65757" y="13477"/>
+                </a:lnTo>
+                <a:lnTo>
+                  <a:pt x="54975" y="0"/>
+                </a:lnTo>
+                <a:close/>
+              </a:path>
+            </a:pathLst>
+          </a:custGeom>
+          <a:solidFill>
+            <a:schemeClr val="accent2"/>
+          </a:solidFill>
+          <a:ln>
+            <a:noFill/>
+          </a:ln>
+        </p:spPr>
+        <p:txBody>
+          <a:bodyPr spcFirstLastPara="1" wrap="square" lIns="91425" tIns="91425" rIns="91425" bIns="91425" anchor="ctr" anchorCtr="0">
+            <a:noAutofit/>
+          </a:bodyPr>
+          <a:lstStyle/>
+          <a:p>
+            <a:pPr marL="0" lvl="0" indent="0" algn="l" rtl="0">
+              <a:spcBef>
+                <a:spcPts val="0"/>
+              </a:spcBef>
+              <a:spcAft>
+                <a:spcPts val="0"/>
+              </a:spcAft>
+              <a:buNone/>
+            </a:pPr>
+            <a:endParaRPr/>
+          </a:p>
+        </p:txBody>
+      </p:sp>
+      <p:sp>
+        <p:nvSpPr>
+          <p:cNvPr id="3001" name="Google Shape;3001;p98"/>
+          <p:cNvSpPr/>
+          <p:nvPr/>
+        </p:nvSpPr>
+        <p:spPr>
+          <a:xfrm>
+            <a:off x="3331438" y="2826030"/>
+            <a:ext cx="1326812" cy="543239"/>
+          </a:xfrm>
+          <a:custGeom>
+            <a:avLst/>
+            <a:gdLst/>
+            <a:ahLst/>
+            <a:cxnLst/>
+            <a:rect l="l" t="t" r="r" b="b"/>
+            <a:pathLst>
+              <a:path w="65757" h="26923" extrusionOk="0">
+                <a:moveTo>
+                  <a:pt x="0" y="0"/>
+                </a:moveTo>
+                <a:lnTo>
+                  <a:pt x="10782" y="13477"/>
+                </a:lnTo>
+                <a:lnTo>
+                  <a:pt x="0" y="26923"/>
+                </a:lnTo>
+                <a:lnTo>
+                  <a:pt x="54975" y="26923"/>
+                </a:lnTo>
+                <a:lnTo>
+                  <a:pt x="65757" y="13477"/>
+                </a:lnTo>
+                <a:lnTo>
+                  <a:pt x="54975" y="0"/>
+                </a:lnTo>
+                <a:close/>
+              </a:path>
+            </a:pathLst>
+          </a:custGeom>
+          <a:solidFill>
+            <a:schemeClr val="accent3"/>
+          </a:solidFill>
+          <a:ln>
+            <a:noFill/>
+          </a:ln>
+        </p:spPr>
+        <p:txBody>
+          <a:bodyPr spcFirstLastPara="1" wrap="square" lIns="91425" tIns="91425" rIns="91425" bIns="91425" anchor="ctr" anchorCtr="0">
+            <a:noAutofit/>
+          </a:bodyPr>
+          <a:lstStyle/>
+          <a:p>
+            <a:pPr marL="0" lvl="0" indent="0" algn="l" rtl="0">
+              <a:spcBef>
+                <a:spcPts val="0"/>
+              </a:spcBef>
+              <a:spcAft>
+                <a:spcPts val="0"/>
+              </a:spcAft>
+              <a:buNone/>
+            </a:pPr>
+            <a:endParaRPr/>
+          </a:p>
+        </p:txBody>
+      </p:sp>
+      <p:sp>
+        <p:nvSpPr>
+          <p:cNvPr id="3002" name="Google Shape;3002;p98"/>
+          <p:cNvSpPr/>
+          <p:nvPr/>
+        </p:nvSpPr>
+        <p:spPr>
+          <a:xfrm>
+            <a:off x="4436229" y="2826030"/>
+            <a:ext cx="1326186" cy="543239"/>
+          </a:xfrm>
+          <a:custGeom>
+            <a:avLst/>
+            <a:gdLst/>
+            <a:ahLst/>
+            <a:cxnLst/>
+            <a:rect l="l" t="t" r="r" b="b"/>
+            <a:pathLst>
+              <a:path w="65726" h="26923" extrusionOk="0">
+                <a:moveTo>
+                  <a:pt x="1" y="0"/>
+                </a:moveTo>
+                <a:lnTo>
+                  <a:pt x="10751" y="13477"/>
+                </a:lnTo>
+                <a:lnTo>
+                  <a:pt x="1" y="26923"/>
+                </a:lnTo>
+                <a:lnTo>
+                  <a:pt x="54944" y="26923"/>
+                </a:lnTo>
+                <a:lnTo>
+                  <a:pt x="65726" y="13477"/>
+                </a:lnTo>
+                <a:lnTo>
+                  <a:pt x="54944" y="0"/>
+                </a:lnTo>
+                <a:close/>
+              </a:path>
+            </a:pathLst>
+          </a:custGeom>
+          <a:solidFill>
+            <a:schemeClr val="accent5"/>
+          </a:solidFill>
+          <a:ln>
+            <a:noFill/>
+          </a:ln>
+        </p:spPr>
+        <p:txBody>
+          <a:bodyPr spcFirstLastPara="1" wrap="square" lIns="91425" tIns="91425" rIns="91425" bIns="91425" anchor="ctr" anchorCtr="0">
+            <a:noAutofit/>
+          </a:bodyPr>
+          <a:lstStyle/>
+          <a:p>
+            <a:pPr marL="0" lvl="0" indent="0" algn="l" rtl="0">
+              <a:spcBef>
+                <a:spcPts val="0"/>
+              </a:spcBef>
+              <a:spcAft>
+                <a:spcPts val="0"/>
+              </a:spcAft>
+              <a:buNone/>
+            </a:pPr>
+            <a:endParaRPr/>
+          </a:p>
+        </p:txBody>
+      </p:sp>
+      <p:sp>
+        <p:nvSpPr>
+          <p:cNvPr id="3008" name="Google Shape;3008;p98"/>
+          <p:cNvSpPr/>
+          <p:nvPr/>
+        </p:nvSpPr>
+        <p:spPr>
+          <a:xfrm rot="-358812">
+            <a:off x="7071296" y="1551556"/>
+            <a:ext cx="2578386" cy="3251753"/>
+          </a:xfrm>
+          <a:custGeom>
+            <a:avLst/>
+            <a:gdLst/>
+            <a:ahLst/>
+            <a:cxnLst/>
+            <a:rect l="l" t="t" r="r" b="b"/>
+            <a:pathLst>
+              <a:path w="110389" h="139218" extrusionOk="0">
+                <a:moveTo>
+                  <a:pt x="109392" y="20761"/>
+                </a:moveTo>
+                <a:cubicBezTo>
+                  <a:pt x="110388" y="17897"/>
+                  <a:pt x="107327" y="15198"/>
+                  <a:pt x="105713" y="13621"/>
+                </a:cubicBezTo>
+                <a:cubicBezTo>
+                  <a:pt x="103468" y="11426"/>
+                  <a:pt x="102131" y="11015"/>
+                  <a:pt x="102131" y="11015"/>
+                </a:cubicBezTo>
+                <a:lnTo>
+                  <a:pt x="49447" y="767"/>
+                </a:lnTo>
+                <a:cubicBezTo>
+                  <a:pt x="45536" y="0"/>
+                  <a:pt x="41263" y="2461"/>
+                  <a:pt x="39913" y="6257"/>
+                </a:cubicBezTo>
+                <a:lnTo>
+                  <a:pt x="942" y="116582"/>
+                </a:lnTo>
+                <a:cubicBezTo>
+                  <a:pt x="0" y="118474"/>
+                  <a:pt x="1441" y="126254"/>
+                  <a:pt x="4334" y="127566"/>
+                </a:cubicBezTo>
+                <a:lnTo>
+                  <a:pt x="59897" y="138451"/>
+                </a:lnTo>
+                <a:cubicBezTo>
+                  <a:pt x="63808" y="139217"/>
+                  <a:pt x="68081" y="136757"/>
+                  <a:pt x="69431" y="132961"/>
+                </a:cubicBezTo>
+                <a:cubicBezTo>
+                  <a:pt x="69431" y="132961"/>
+                  <a:pt x="104779" y="34029"/>
+                  <a:pt x="109392" y="20761"/>
+                </a:cubicBezTo>
+                <a:close/>
+              </a:path>
+            </a:pathLst>
+          </a:custGeom>
+          <a:solidFill>
+            <a:schemeClr val="accent3"/>
+          </a:solidFill>
+          <a:ln>
+            <a:noFill/>
+          </a:ln>
+        </p:spPr>
+        <p:txBody>
+          <a:bodyPr spcFirstLastPara="1" wrap="square" lIns="91425" tIns="91425" rIns="91425" bIns="91425" anchor="ctr" anchorCtr="0">
+            <a:noAutofit/>
+          </a:bodyPr>
+          <a:lstStyle/>
+          <a:p>
+            <a:pPr marL="0" lvl="0" indent="0" algn="l" rtl="0">
+              <a:spcBef>
+                <a:spcPts val="0"/>
+              </a:spcBef>
+              <a:spcAft>
+                <a:spcPts val="0"/>
+              </a:spcAft>
+              <a:buNone/>
+            </a:pPr>
+            <a:endParaRPr/>
+          </a:p>
+        </p:txBody>
+      </p:sp>
+      <p:sp>
+        <p:nvSpPr>
+          <p:cNvPr id="3009" name="Google Shape;3009;p98"/>
+          <p:cNvSpPr/>
+          <p:nvPr/>
+        </p:nvSpPr>
+        <p:spPr>
+          <a:xfrm rot="-358812">
+            <a:off x="7057981" y="1549616"/>
+            <a:ext cx="2485728" cy="3143469"/>
+          </a:xfrm>
+          <a:custGeom>
+            <a:avLst/>
+            <a:gdLst/>
+            <a:ahLst/>
+            <a:cxnLst/>
+            <a:rect l="l" t="t" r="r" b="b"/>
+            <a:pathLst>
+              <a:path w="106422" h="134582" extrusionOk="0">
+                <a:moveTo>
+                  <a:pt x="105169" y="18473"/>
+                </a:moveTo>
+                <a:cubicBezTo>
+                  <a:pt x="106422" y="14952"/>
+                  <a:pt x="104493" y="11516"/>
+                  <a:pt x="100867" y="10806"/>
+                </a:cubicBezTo>
+                <a:lnTo>
+                  <a:pt x="49341" y="711"/>
+                </a:lnTo>
+                <a:cubicBezTo>
+                  <a:pt x="45715" y="0"/>
+                  <a:pt x="41752" y="2281"/>
+                  <a:pt x="40500" y="5803"/>
+                </a:cubicBezTo>
+                <a:lnTo>
+                  <a:pt x="1253" y="116110"/>
+                </a:lnTo>
+                <a:cubicBezTo>
+                  <a:pt x="0" y="119630"/>
+                  <a:pt x="1929" y="123065"/>
+                  <a:pt x="5555" y="123776"/>
+                </a:cubicBezTo>
+                <a:lnTo>
+                  <a:pt x="57081" y="133871"/>
+                </a:lnTo>
+                <a:cubicBezTo>
+                  <a:pt x="60707" y="134581"/>
+                  <a:pt x="64670" y="132300"/>
+                  <a:pt x="65921" y="128780"/>
+                </a:cubicBezTo>
+                <a:close/>
+              </a:path>
+            </a:pathLst>
+          </a:custGeom>
+          <a:solidFill>
+            <a:schemeClr val="accent6"/>
+          </a:solidFill>
+          <a:ln>
+            <a:noFill/>
+          </a:ln>
+        </p:spPr>
+        <p:txBody>
+          <a:bodyPr spcFirstLastPara="1" wrap="square" lIns="91425" tIns="91425" rIns="91425" bIns="91425" anchor="ctr" anchorCtr="0">
+            <a:noAutofit/>
+          </a:bodyPr>
+          <a:lstStyle/>
+          <a:p>
+            <a:pPr marL="0" lvl="0" indent="0" algn="l" rtl="0">
+              <a:spcBef>
+                <a:spcPts val="0"/>
+              </a:spcBef>
+              <a:spcAft>
+                <a:spcPts val="0"/>
+              </a:spcAft>
+              <a:buNone/>
+            </a:pPr>
+            <a:endParaRPr/>
+          </a:p>
+        </p:txBody>
+      </p:sp>
+      <p:sp>
+        <p:nvSpPr>
+          <p:cNvPr id="3010" name="Google Shape;3010;p98"/>
+          <p:cNvSpPr/>
+          <p:nvPr/>
+        </p:nvSpPr>
+        <p:spPr>
+          <a:xfrm rot="-358812">
+            <a:off x="7256762" y="1710241"/>
+            <a:ext cx="2127988" cy="2604663"/>
+          </a:xfrm>
+          <a:custGeom>
+            <a:avLst/>
+            <a:gdLst/>
+            <a:ahLst/>
+            <a:cxnLst/>
+            <a:rect l="l" t="t" r="r" b="b"/>
+            <a:pathLst>
+              <a:path w="91106" h="111514" extrusionOk="0">
+                <a:moveTo>
+                  <a:pt x="89968" y="16409"/>
+                </a:moveTo>
+                <a:cubicBezTo>
+                  <a:pt x="91105" y="13213"/>
+                  <a:pt x="89355" y="10094"/>
+                  <a:pt x="86062" y="9449"/>
+                </a:cubicBezTo>
+                <a:lnTo>
+                  <a:pt x="41129" y="645"/>
+                </a:lnTo>
+                <a:cubicBezTo>
+                  <a:pt x="37836" y="0"/>
+                  <a:pt x="34239" y="2072"/>
+                  <a:pt x="33100" y="5268"/>
+                </a:cubicBezTo>
+                <a:lnTo>
+                  <a:pt x="1137" y="95103"/>
+                </a:lnTo>
+                <a:cubicBezTo>
+                  <a:pt x="0" y="98299"/>
+                  <a:pt x="1751" y="101420"/>
+                  <a:pt x="5044" y="102065"/>
+                </a:cubicBezTo>
+                <a:lnTo>
+                  <a:pt x="49977" y="110868"/>
+                </a:lnTo>
+                <a:cubicBezTo>
+                  <a:pt x="53271" y="111513"/>
+                  <a:pt x="56868" y="109442"/>
+                  <a:pt x="58005" y="106244"/>
+                </a:cubicBezTo>
+                <a:close/>
+              </a:path>
+            </a:pathLst>
+          </a:custGeom>
+          <a:solidFill>
+            <a:schemeClr val="dk2"/>
+          </a:solidFill>
+          <a:ln>
+            <a:noFill/>
+          </a:ln>
+        </p:spPr>
+        <p:txBody>
+          <a:bodyPr spcFirstLastPara="1" wrap="square" lIns="91425" tIns="91425" rIns="91425" bIns="91425" anchor="ctr" anchorCtr="0">
+            <a:noAutofit/>
+          </a:bodyPr>
+          <a:lstStyle/>
+          <a:p>
+            <a:pPr marL="0" lvl="0" indent="0" algn="l" rtl="0">
+              <a:spcBef>
+                <a:spcPts val="0"/>
+              </a:spcBef>
+              <a:spcAft>
+                <a:spcPts val="0"/>
+              </a:spcAft>
+              <a:buNone/>
+            </a:pPr>
+            <a:endParaRPr/>
+          </a:p>
+        </p:txBody>
+      </p:sp>
+      <p:sp>
+        <p:nvSpPr>
+          <p:cNvPr id="3011" name="Google Shape;3011;p98"/>
+          <p:cNvSpPr/>
+          <p:nvPr/>
+        </p:nvSpPr>
+        <p:spPr>
+          <a:xfrm rot="-358812">
+            <a:off x="7842626" y="4270621"/>
+            <a:ext cx="245041" cy="238571"/>
+          </a:xfrm>
+          <a:custGeom>
+            <a:avLst/>
+            <a:gdLst/>
+            <a:ahLst/>
+            <a:cxnLst/>
+            <a:rect l="l" t="t" r="r" b="b"/>
+            <a:pathLst>
+              <a:path w="10491" h="10214" extrusionOk="0">
+                <a:moveTo>
+                  <a:pt x="6498" y="1"/>
+                </a:moveTo>
+                <a:cubicBezTo>
+                  <a:pt x="4971" y="1"/>
+                  <a:pt x="3320" y="755"/>
+                  <a:pt x="2097" y="2167"/>
+                </a:cubicBezTo>
+                <a:cubicBezTo>
+                  <a:pt x="100" y="4472"/>
+                  <a:pt x="1" y="7659"/>
+                  <a:pt x="1875" y="9283"/>
+                </a:cubicBezTo>
+                <a:cubicBezTo>
+                  <a:pt x="2580" y="9893"/>
+                  <a:pt x="3495" y="10214"/>
+                  <a:pt x="4489" y="10214"/>
+                </a:cubicBezTo>
+                <a:cubicBezTo>
+                  <a:pt x="4766" y="10214"/>
+                  <a:pt x="5049" y="10189"/>
+                  <a:pt x="5335" y="10139"/>
+                </a:cubicBezTo>
+                <a:cubicBezTo>
+                  <a:pt x="6650" y="9907"/>
+                  <a:pt x="7926" y="9156"/>
+                  <a:pt x="8886" y="8048"/>
+                </a:cubicBezTo>
+                <a:cubicBezTo>
+                  <a:pt x="9845" y="6941"/>
+                  <a:pt x="10407" y="5569"/>
+                  <a:pt x="10449" y="4235"/>
+                </a:cubicBezTo>
+                <a:cubicBezTo>
+                  <a:pt x="10490" y="2901"/>
+                  <a:pt x="10008" y="1713"/>
+                  <a:pt x="9108" y="932"/>
+                </a:cubicBezTo>
+                <a:cubicBezTo>
+                  <a:pt x="8381" y="303"/>
+                  <a:pt x="7465" y="1"/>
+                  <a:pt x="6498" y="1"/>
+                </a:cubicBezTo>
+                <a:close/>
+              </a:path>
+            </a:pathLst>
+          </a:custGeom>
+          <a:solidFill>
+            <a:schemeClr val="accent2"/>
+          </a:solidFill>
+          <a:ln>
+            <a:noFill/>
+          </a:ln>
+        </p:spPr>
+        <p:txBody>
+          <a:bodyPr spcFirstLastPara="1" wrap="square" lIns="91425" tIns="91425" rIns="91425" bIns="91425" anchor="ctr" anchorCtr="0">
+            <a:noAutofit/>
+          </a:bodyPr>
+          <a:lstStyle/>
+          <a:p>
+            <a:pPr marL="0" lvl="0" indent="0" algn="l" rtl="0">
+              <a:spcBef>
+                <a:spcPts val="0"/>
+              </a:spcBef>
+              <a:spcAft>
+                <a:spcPts val="0"/>
+              </a:spcAft>
+              <a:buNone/>
+            </a:pPr>
+            <a:endParaRPr/>
+          </a:p>
+        </p:txBody>
+      </p:sp>
+      <p:grpSp>
+        <p:nvGrpSpPr>
+          <p:cNvPr id="3012" name="Google Shape;3012;p98"/>
+          <p:cNvGrpSpPr/>
+          <p:nvPr/>
+        </p:nvGrpSpPr>
+        <p:grpSpPr>
+          <a:xfrm>
+            <a:off x="6194965" y="1219779"/>
+            <a:ext cx="3002294" cy="2591440"/>
+            <a:chOff x="6271165" y="1219779"/>
+            <a:chExt cx="3002294" cy="2591440"/>
+          </a:xfrm>
+        </p:grpSpPr>
+        <p:sp>
+          <p:nvSpPr>
+            <p:cNvPr id="3013" name="Google Shape;3013;p98"/>
+            <p:cNvSpPr/>
+            <p:nvPr/>
+          </p:nvSpPr>
+          <p:spPr>
+            <a:xfrm>
+              <a:off x="6339861" y="2668438"/>
+              <a:ext cx="592643" cy="144046"/>
+            </a:xfrm>
+            <a:custGeom>
+              <a:avLst/>
+              <a:gdLst/>
+              <a:ahLst/>
+              <a:cxnLst/>
+              <a:rect l="l" t="t" r="r" b="b"/>
+              <a:pathLst>
+                <a:path w="23690" h="5758" extrusionOk="0">
+                  <a:moveTo>
+                    <a:pt x="1" y="1"/>
+                  </a:moveTo>
+                  <a:lnTo>
+                    <a:pt x="1" y="5758"/>
+                  </a:lnTo>
+                  <a:lnTo>
+                    <a:pt x="23689" y="5758"/>
+                  </a:lnTo>
+                  <a:lnTo>
+                    <a:pt x="23689" y="1"/>
+                  </a:lnTo>
+                  <a:close/>
+                </a:path>
+              </a:pathLst>
+            </a:custGeom>
+            <a:solidFill>
+              <a:schemeClr val="accent5"/>
+            </a:solidFill>
+            <a:ln>
+              <a:noFill/>
+            </a:ln>
+          </p:spPr>
+          <p:txBody>
+            <a:bodyPr spcFirstLastPara="1" wrap="square" lIns="91425" tIns="91425" rIns="91425" bIns="91425" anchor="ctr" anchorCtr="0">
+              <a:noAutofit/>
+            </a:bodyPr>
+            <a:lstStyle/>
+            <a:p>
+              <a:pPr marL="0" lvl="0" indent="0" algn="l" rtl="0">
+                <a:spcBef>
+                  <a:spcPts val="0"/>
+                </a:spcBef>
+                <a:spcAft>
+                  <a:spcPts val="0"/>
+                </a:spcAft>
+                <a:buNone/>
+              </a:pPr>
+              <a:endParaRPr/>
+            </a:p>
+          </p:txBody>
+        </p:sp>
+        <p:sp>
+          <p:nvSpPr>
+            <p:cNvPr id="3014" name="Google Shape;3014;p98"/>
+            <p:cNvSpPr/>
+            <p:nvPr/>
+          </p:nvSpPr>
+          <p:spPr>
+            <a:xfrm>
+              <a:off x="6636186" y="2668438"/>
+              <a:ext cx="296321" cy="144046"/>
+            </a:xfrm>
+            <a:custGeom>
+              <a:avLst/>
+              <a:gdLst/>
+              <a:ahLst/>
+              <a:cxnLst/>
+              <a:rect l="l" t="t" r="r" b="b"/>
+              <a:pathLst>
+                <a:path w="11845" h="5758" extrusionOk="0">
+                  <a:moveTo>
+                    <a:pt x="0" y="1"/>
+                  </a:moveTo>
+                  <a:lnTo>
+                    <a:pt x="0" y="5758"/>
+                  </a:lnTo>
+                  <a:lnTo>
+                    <a:pt x="11844" y="5758"/>
+                  </a:lnTo>
+                  <a:lnTo>
+                    <a:pt x="11844" y="1"/>
+                  </a:lnTo>
+                  <a:close/>
+                </a:path>
+              </a:pathLst>
+            </a:custGeom>
+            <a:solidFill>
+              <a:schemeClr val="accent5"/>
+            </a:solidFill>
+            <a:ln>
+              <a:noFill/>
+            </a:ln>
+          </p:spPr>
+          <p:txBody>
+            <a:bodyPr spcFirstLastPara="1" wrap="square" lIns="91425" tIns="91425" rIns="91425" bIns="91425" anchor="ctr" anchorCtr="0">
+              <a:noAutofit/>
+            </a:bodyPr>
+            <a:lstStyle/>
+            <a:p>
+              <a:pPr marL="0" lvl="0" indent="0" algn="l" rtl="0">
+                <a:spcBef>
+                  <a:spcPts val="0"/>
+                </a:spcBef>
+                <a:spcAft>
+                  <a:spcPts val="0"/>
+                </a:spcAft>
+                <a:buNone/>
+              </a:pPr>
+              <a:endParaRPr/>
+            </a:p>
+          </p:txBody>
+        </p:sp>
+        <p:sp>
+          <p:nvSpPr>
+            <p:cNvPr id="3015" name="Google Shape;3015;p98"/>
+            <p:cNvSpPr/>
+            <p:nvPr/>
+          </p:nvSpPr>
+          <p:spPr>
+            <a:xfrm>
+              <a:off x="6341037" y="2214577"/>
+              <a:ext cx="590341" cy="407820"/>
+            </a:xfrm>
+            <a:custGeom>
+              <a:avLst/>
+              <a:gdLst/>
+              <a:ahLst/>
+              <a:cxnLst/>
+              <a:rect l="l" t="t" r="r" b="b"/>
+              <a:pathLst>
+                <a:path w="23598" h="16302" extrusionOk="0">
+                  <a:moveTo>
+                    <a:pt x="11798" y="0"/>
+                  </a:moveTo>
+                  <a:cubicBezTo>
+                    <a:pt x="5293" y="0"/>
+                    <a:pt x="0" y="5293"/>
+                    <a:pt x="0" y="11798"/>
+                  </a:cubicBezTo>
+                  <a:lnTo>
+                    <a:pt x="0" y="16301"/>
+                  </a:lnTo>
+                  <a:lnTo>
+                    <a:pt x="23597" y="16301"/>
+                  </a:lnTo>
+                  <a:lnTo>
+                    <a:pt x="23597" y="11798"/>
+                  </a:lnTo>
+                  <a:cubicBezTo>
+                    <a:pt x="23597" y="5293"/>
+                    <a:pt x="18304" y="0"/>
+                    <a:pt x="11798" y="0"/>
+                  </a:cubicBezTo>
+                  <a:close/>
+                </a:path>
+              </a:pathLst>
+            </a:custGeom>
+            <a:solidFill>
+              <a:schemeClr val="accent5"/>
+            </a:solidFill>
+            <a:ln>
+              <a:noFill/>
+            </a:ln>
+          </p:spPr>
+          <p:txBody>
+            <a:bodyPr spcFirstLastPara="1" wrap="square" lIns="91425" tIns="91425" rIns="91425" bIns="91425" anchor="ctr" anchorCtr="0">
+              <a:noAutofit/>
+            </a:bodyPr>
+            <a:lstStyle/>
+            <a:p>
+              <a:pPr marL="0" lvl="0" indent="0" algn="l" rtl="0">
+                <a:spcBef>
+                  <a:spcPts val="0"/>
+                </a:spcBef>
+                <a:spcAft>
+                  <a:spcPts val="0"/>
+                </a:spcAft>
+                <a:buNone/>
+              </a:pPr>
+              <a:endParaRPr/>
+            </a:p>
+          </p:txBody>
+        </p:sp>
+        <p:sp>
+          <p:nvSpPr>
+            <p:cNvPr id="3016" name="Google Shape;3016;p98"/>
+            <p:cNvSpPr/>
+            <p:nvPr/>
+          </p:nvSpPr>
+          <p:spPr>
+            <a:xfrm>
+              <a:off x="6636186" y="2214577"/>
+              <a:ext cx="295196" cy="407820"/>
+            </a:xfrm>
+            <a:custGeom>
+              <a:avLst/>
+              <a:gdLst/>
+              <a:ahLst/>
+              <a:cxnLst/>
+              <a:rect l="l" t="t" r="r" b="b"/>
+              <a:pathLst>
+                <a:path w="11800" h="16302" extrusionOk="0">
+                  <a:moveTo>
+                    <a:pt x="0" y="0"/>
+                  </a:moveTo>
+                  <a:lnTo>
+                    <a:pt x="0" y="16301"/>
+                  </a:lnTo>
+                  <a:lnTo>
+                    <a:pt x="11799" y="16301"/>
+                  </a:lnTo>
+                  <a:lnTo>
+                    <a:pt x="11799" y="11798"/>
+                  </a:lnTo>
+                  <a:cubicBezTo>
+                    <a:pt x="11799" y="5293"/>
+                    <a:pt x="6506" y="0"/>
+                    <a:pt x="0" y="0"/>
+                  </a:cubicBezTo>
+                  <a:close/>
+                </a:path>
+              </a:pathLst>
+            </a:custGeom>
+            <a:solidFill>
+              <a:schemeClr val="accent5"/>
+            </a:solidFill>
+            <a:ln>
+              <a:noFill/>
+            </a:ln>
+          </p:spPr>
+          <p:txBody>
+            <a:bodyPr spcFirstLastPara="1" wrap="square" lIns="91425" tIns="91425" rIns="91425" bIns="91425" anchor="ctr" anchorCtr="0">
+              <a:noAutofit/>
+            </a:bodyPr>
+            <a:lstStyle/>
+            <a:p>
+              <a:pPr marL="0" lvl="0" indent="0" algn="l" rtl="0">
+                <a:spcBef>
+                  <a:spcPts val="0"/>
+                </a:spcBef>
+                <a:spcAft>
+                  <a:spcPts val="0"/>
+                </a:spcAft>
+                <a:buNone/>
+              </a:pPr>
+              <a:endParaRPr/>
+            </a:p>
+          </p:txBody>
+        </p:sp>
+        <p:sp>
+          <p:nvSpPr>
+            <p:cNvPr id="3017" name="Google Shape;3017;p98"/>
+            <p:cNvSpPr/>
+            <p:nvPr/>
+          </p:nvSpPr>
+          <p:spPr>
+            <a:xfrm>
+              <a:off x="6271165" y="2500572"/>
+              <a:ext cx="730084" cy="197456"/>
+            </a:xfrm>
+            <a:custGeom>
+              <a:avLst/>
+              <a:gdLst/>
+              <a:ahLst/>
+              <a:cxnLst/>
+              <a:rect l="l" t="t" r="r" b="b"/>
+              <a:pathLst>
+                <a:path w="29184" h="7893" extrusionOk="0">
+                  <a:moveTo>
+                    <a:pt x="3945" y="0"/>
+                  </a:moveTo>
+                  <a:cubicBezTo>
+                    <a:pt x="1770" y="0"/>
+                    <a:pt x="0" y="1770"/>
+                    <a:pt x="0" y="3947"/>
+                  </a:cubicBezTo>
+                  <a:cubicBezTo>
+                    <a:pt x="0" y="6123"/>
+                    <a:pt x="1770" y="7892"/>
+                    <a:pt x="3945" y="7892"/>
+                  </a:cubicBezTo>
+                  <a:lnTo>
+                    <a:pt x="25237" y="7892"/>
+                  </a:lnTo>
+                  <a:cubicBezTo>
+                    <a:pt x="27414" y="7892"/>
+                    <a:pt x="29183" y="6123"/>
+                    <a:pt x="29183" y="3947"/>
+                  </a:cubicBezTo>
+                  <a:cubicBezTo>
+                    <a:pt x="29183" y="1770"/>
+                    <a:pt x="27414" y="0"/>
+                    <a:pt x="25237" y="0"/>
+                  </a:cubicBezTo>
+                  <a:close/>
+                </a:path>
+              </a:pathLst>
+            </a:custGeom>
+            <a:solidFill>
+              <a:schemeClr val="accent2"/>
+            </a:solidFill>
+            <a:ln>
+              <a:noFill/>
+            </a:ln>
+          </p:spPr>
+          <p:txBody>
+            <a:bodyPr spcFirstLastPara="1" wrap="square" lIns="91425" tIns="91425" rIns="91425" bIns="91425" anchor="ctr" anchorCtr="0">
+              <a:noAutofit/>
+            </a:bodyPr>
+            <a:lstStyle/>
+            <a:p>
+              <a:pPr marL="0" lvl="0" indent="0" algn="l" rtl="0">
+                <a:spcBef>
+                  <a:spcPts val="0"/>
+                </a:spcBef>
+                <a:spcAft>
+                  <a:spcPts val="0"/>
+                </a:spcAft>
+                <a:buNone/>
+              </a:pPr>
+              <a:endParaRPr/>
+            </a:p>
+          </p:txBody>
+        </p:sp>
+        <p:sp>
+          <p:nvSpPr>
+            <p:cNvPr id="3018" name="Google Shape;3018;p98"/>
+            <p:cNvSpPr/>
+            <p:nvPr/>
+          </p:nvSpPr>
+          <p:spPr>
+            <a:xfrm>
+              <a:off x="6730300" y="2368081"/>
+              <a:ext cx="42803" cy="42803"/>
+            </a:xfrm>
+            <a:custGeom>
+              <a:avLst/>
+              <a:gdLst/>
+              <a:ahLst/>
+              <a:cxnLst/>
+              <a:rect l="l" t="t" r="r" b="b"/>
+              <a:pathLst>
+                <a:path w="1711" h="1711" extrusionOk="0">
+                  <a:moveTo>
+                    <a:pt x="1" y="0"/>
+                  </a:moveTo>
+                  <a:lnTo>
+                    <a:pt x="1" y="1711"/>
+                  </a:lnTo>
+                  <a:lnTo>
+                    <a:pt x="1711" y="1711"/>
+                  </a:lnTo>
+                  <a:lnTo>
+                    <a:pt x="1711" y="0"/>
+                  </a:lnTo>
+                  <a:close/>
+                </a:path>
+              </a:pathLst>
+            </a:custGeom>
+            <a:solidFill>
+              <a:schemeClr val="accent4"/>
+            </a:solidFill>
+            <a:ln>
+              <a:noFill/>
+            </a:ln>
+          </p:spPr>
+          <p:txBody>
+            <a:bodyPr spcFirstLastPara="1" wrap="square" lIns="91425" tIns="91425" rIns="91425" bIns="91425" anchor="ctr" anchorCtr="0">
+              <a:noAutofit/>
+            </a:bodyPr>
+            <a:lstStyle/>
+            <a:p>
+              <a:pPr marL="0" lvl="0" indent="0" algn="l" rtl="0">
+                <a:spcBef>
+                  <a:spcPts val="0"/>
+                </a:spcBef>
+                <a:spcAft>
+                  <a:spcPts val="0"/>
+                </a:spcAft>
+                <a:buNone/>
+              </a:pPr>
+              <a:endParaRPr/>
+            </a:p>
+          </p:txBody>
+        </p:sp>
+        <p:sp>
+          <p:nvSpPr>
+            <p:cNvPr id="3019" name="Google Shape;3019;p98"/>
+            <p:cNvSpPr/>
+            <p:nvPr/>
+          </p:nvSpPr>
+          <p:spPr>
+            <a:xfrm>
+              <a:off x="6614772" y="2292003"/>
+              <a:ext cx="42828" cy="42803"/>
+            </a:xfrm>
+            <a:custGeom>
+              <a:avLst/>
+              <a:gdLst/>
+              <a:ahLst/>
+              <a:cxnLst/>
+              <a:rect l="l" t="t" r="r" b="b"/>
+              <a:pathLst>
+                <a:path w="1712" h="1711" extrusionOk="0">
+                  <a:moveTo>
+                    <a:pt x="1" y="1"/>
+                  </a:moveTo>
+                  <a:lnTo>
+                    <a:pt x="1" y="1711"/>
+                  </a:lnTo>
+                  <a:lnTo>
+                    <a:pt x="1711" y="1711"/>
+                  </a:lnTo>
+                  <a:lnTo>
+                    <a:pt x="1711" y="1"/>
+                  </a:lnTo>
+                  <a:close/>
+                </a:path>
+              </a:pathLst>
+            </a:custGeom>
+            <a:solidFill>
+              <a:schemeClr val="accent4"/>
+            </a:solidFill>
+            <a:ln>
+              <a:noFill/>
+            </a:ln>
+          </p:spPr>
+          <p:txBody>
+            <a:bodyPr spcFirstLastPara="1" wrap="square" lIns="91425" tIns="91425" rIns="91425" bIns="91425" anchor="ctr" anchorCtr="0">
+              <a:noAutofit/>
+            </a:bodyPr>
+            <a:lstStyle/>
+            <a:p>
+              <a:pPr marL="0" lvl="0" indent="0" algn="l" rtl="0">
+                <a:spcBef>
+                  <a:spcPts val="0"/>
+                </a:spcBef>
+                <a:spcAft>
+                  <a:spcPts val="0"/>
+                </a:spcAft>
+                <a:buNone/>
+              </a:pPr>
+              <a:endParaRPr/>
+            </a:p>
+          </p:txBody>
+        </p:sp>
+        <p:sp>
+          <p:nvSpPr>
+            <p:cNvPr id="3020" name="Google Shape;3020;p98"/>
+            <p:cNvSpPr/>
+            <p:nvPr/>
+          </p:nvSpPr>
+          <p:spPr>
+            <a:xfrm>
+              <a:off x="6636186" y="2292003"/>
+              <a:ext cx="21414" cy="42803"/>
+            </a:xfrm>
+            <a:custGeom>
+              <a:avLst/>
+              <a:gdLst/>
+              <a:ahLst/>
+              <a:cxnLst/>
+              <a:rect l="l" t="t" r="r" b="b"/>
+              <a:pathLst>
+                <a:path w="856" h="1711" extrusionOk="0">
+                  <a:moveTo>
+                    <a:pt x="0" y="1"/>
+                  </a:moveTo>
+                  <a:lnTo>
+                    <a:pt x="0" y="1711"/>
+                  </a:lnTo>
+                  <a:lnTo>
+                    <a:pt x="855" y="1711"/>
+                  </a:lnTo>
+                  <a:lnTo>
+                    <a:pt x="855" y="1"/>
+                  </a:lnTo>
+                  <a:close/>
+                </a:path>
+              </a:pathLst>
+            </a:custGeom>
+            <a:solidFill>
+              <a:schemeClr val="accent4"/>
+            </a:solidFill>
+            <a:ln>
+              <a:noFill/>
+            </a:ln>
+          </p:spPr>
+          <p:txBody>
+            <a:bodyPr spcFirstLastPara="1" wrap="square" lIns="91425" tIns="91425" rIns="91425" bIns="91425" anchor="ctr" anchorCtr="0">
+              <a:noAutofit/>
+            </a:bodyPr>
+            <a:lstStyle/>
+            <a:p>
+              <a:pPr marL="0" lvl="0" indent="0" algn="l" rtl="0">
+                <a:spcBef>
+                  <a:spcPts val="0"/>
+                </a:spcBef>
+                <a:spcAft>
+                  <a:spcPts val="0"/>
+                </a:spcAft>
+                <a:buNone/>
+              </a:pPr>
+              <a:endParaRPr/>
+            </a:p>
+          </p:txBody>
+        </p:sp>
+        <p:sp>
+          <p:nvSpPr>
+            <p:cNvPr id="3021" name="Google Shape;3021;p98"/>
+            <p:cNvSpPr/>
+            <p:nvPr/>
+          </p:nvSpPr>
+          <p:spPr>
+            <a:xfrm rot="-358812">
+              <a:off x="6918615" y="1271970"/>
+              <a:ext cx="1057034" cy="1055632"/>
+            </a:xfrm>
+            <a:custGeom>
+              <a:avLst/>
+              <a:gdLst/>
+              <a:ahLst/>
+              <a:cxnLst/>
+              <a:rect l="l" t="t" r="r" b="b"/>
+              <a:pathLst>
+                <a:path w="45255" h="45195" extrusionOk="0">
+                  <a:moveTo>
+                    <a:pt x="38984" y="17864"/>
+                  </a:moveTo>
+                  <a:cubicBezTo>
+                    <a:pt x="38984" y="17864"/>
+                    <a:pt x="41221" y="7674"/>
+                    <a:pt x="29690" y="7260"/>
+                  </a:cubicBezTo>
+                  <a:cubicBezTo>
+                    <a:pt x="21762" y="6975"/>
+                    <a:pt x="15137" y="4268"/>
+                    <a:pt x="11635" y="2134"/>
+                  </a:cubicBezTo>
+                  <a:cubicBezTo>
+                    <a:pt x="8131" y="1"/>
+                    <a:pt x="3796" y="5139"/>
+                    <a:pt x="9751" y="8597"/>
+                  </a:cubicBezTo>
+                  <a:cubicBezTo>
+                    <a:pt x="9751" y="8597"/>
+                    <a:pt x="1804" y="5580"/>
+                    <a:pt x="1024" y="11674"/>
+                  </a:cubicBezTo>
+                  <a:cubicBezTo>
+                    <a:pt x="0" y="19686"/>
+                    <a:pt x="9562" y="20209"/>
+                    <a:pt x="14299" y="21375"/>
+                  </a:cubicBezTo>
+                  <a:cubicBezTo>
+                    <a:pt x="19037" y="22539"/>
+                    <a:pt x="27502" y="44583"/>
+                    <a:pt x="32484" y="45194"/>
+                  </a:cubicBezTo>
+                  <a:cubicBezTo>
+                    <a:pt x="32484" y="45194"/>
+                    <a:pt x="36209" y="42749"/>
+                    <a:pt x="39673" y="36991"/>
+                  </a:cubicBezTo>
+                  <a:cubicBezTo>
+                    <a:pt x="42996" y="31467"/>
+                    <a:pt x="45254" y="22131"/>
+                    <a:pt x="38984" y="17864"/>
+                  </a:cubicBezTo>
+                  <a:close/>
+                </a:path>
+              </a:pathLst>
+            </a:custGeom>
+            <a:solidFill>
+              <a:schemeClr val="accent2"/>
+            </a:solidFill>
+            <a:ln>
+              <a:noFill/>
+            </a:ln>
+          </p:spPr>
+          <p:txBody>
+            <a:bodyPr spcFirstLastPara="1" wrap="square" lIns="91425" tIns="91425" rIns="91425" bIns="91425" anchor="ctr" anchorCtr="0">
+              <a:noAutofit/>
+            </a:bodyPr>
+            <a:lstStyle/>
+            <a:p>
+              <a:pPr marL="0" lvl="0" indent="0" algn="l" rtl="0">
+                <a:spcBef>
+                  <a:spcPts val="0"/>
+                </a:spcBef>
+                <a:spcAft>
+                  <a:spcPts val="0"/>
+                </a:spcAft>
+                <a:buNone/>
+              </a:pPr>
+              <a:endParaRPr/>
+            </a:p>
+          </p:txBody>
+        </p:sp>
+        <p:sp>
+          <p:nvSpPr>
+            <p:cNvPr id="3022" name="Google Shape;3022;p98"/>
+            <p:cNvSpPr/>
+            <p:nvPr/>
+          </p:nvSpPr>
+          <p:spPr>
+            <a:xfrm rot="-358812">
+              <a:off x="7187344" y="1579263"/>
+              <a:ext cx="1684877" cy="1995762"/>
+            </a:xfrm>
+            <a:custGeom>
+              <a:avLst/>
+              <a:gdLst/>
+              <a:ahLst/>
+              <a:cxnLst/>
+              <a:rect l="l" t="t" r="r" b="b"/>
+              <a:pathLst>
+                <a:path w="72135" h="85445" extrusionOk="0">
+                  <a:moveTo>
+                    <a:pt x="19508" y="7049"/>
+                  </a:moveTo>
+                  <a:cubicBezTo>
+                    <a:pt x="19945" y="912"/>
+                    <a:pt x="8452" y="1"/>
+                    <a:pt x="6444" y="1517"/>
+                  </a:cubicBezTo>
+                  <a:cubicBezTo>
+                    <a:pt x="4374" y="3081"/>
+                    <a:pt x="3119" y="5198"/>
+                    <a:pt x="2068" y="9755"/>
+                  </a:cubicBezTo>
+                  <a:cubicBezTo>
+                    <a:pt x="0" y="18730"/>
+                    <a:pt x="441" y="28013"/>
+                    <a:pt x="3581" y="30974"/>
+                  </a:cubicBezTo>
+                  <a:cubicBezTo>
+                    <a:pt x="5432" y="32720"/>
+                    <a:pt x="12826" y="33311"/>
+                    <a:pt x="12826" y="33311"/>
+                  </a:cubicBezTo>
+                  <a:cubicBezTo>
+                    <a:pt x="12826" y="33311"/>
+                    <a:pt x="20210" y="36637"/>
+                    <a:pt x="20498" y="42615"/>
+                  </a:cubicBezTo>
+                  <a:cubicBezTo>
+                    <a:pt x="20823" y="49351"/>
+                    <a:pt x="12642" y="65718"/>
+                    <a:pt x="19971" y="70129"/>
+                  </a:cubicBezTo>
+                  <a:cubicBezTo>
+                    <a:pt x="27298" y="74538"/>
+                    <a:pt x="35305" y="83821"/>
+                    <a:pt x="47443" y="84627"/>
+                  </a:cubicBezTo>
+                  <a:cubicBezTo>
+                    <a:pt x="59761" y="85445"/>
+                    <a:pt x="72135" y="69834"/>
+                    <a:pt x="67683" y="64579"/>
+                  </a:cubicBezTo>
+                  <a:cubicBezTo>
+                    <a:pt x="58201" y="53386"/>
+                    <a:pt x="49836" y="35510"/>
+                    <a:pt x="34961" y="33187"/>
+                  </a:cubicBezTo>
+                  <a:cubicBezTo>
+                    <a:pt x="28265" y="32141"/>
+                    <a:pt x="24547" y="32406"/>
+                    <a:pt x="24579" y="25606"/>
+                  </a:cubicBezTo>
+                  <a:cubicBezTo>
+                    <a:pt x="24579" y="25606"/>
+                    <a:pt x="26095" y="25566"/>
+                    <a:pt x="27666" y="24176"/>
+                  </a:cubicBezTo>
+                  <a:cubicBezTo>
+                    <a:pt x="29646" y="22422"/>
+                    <a:pt x="30899" y="17763"/>
+                    <a:pt x="27828" y="16202"/>
+                  </a:cubicBezTo>
+                  <a:cubicBezTo>
+                    <a:pt x="25946" y="15245"/>
+                    <a:pt x="24287" y="16297"/>
+                    <a:pt x="24582" y="16622"/>
+                  </a:cubicBezTo>
+                  <a:lnTo>
+                    <a:pt x="23843" y="20085"/>
+                  </a:lnTo>
+                  <a:cubicBezTo>
+                    <a:pt x="23843" y="20085"/>
+                    <a:pt x="18706" y="18319"/>
+                    <a:pt x="19508" y="7049"/>
+                  </a:cubicBezTo>
+                  <a:close/>
+                </a:path>
+              </a:pathLst>
+            </a:custGeom>
+            <a:solidFill>
+              <a:schemeClr val="accent4"/>
+            </a:solidFill>
+            <a:ln>
+              <a:noFill/>
+            </a:ln>
+          </p:spPr>
+          <p:txBody>
+            <a:bodyPr spcFirstLastPara="1" wrap="square" lIns="91425" tIns="91425" rIns="91425" bIns="91425" anchor="ctr" anchorCtr="0">
+              <a:noAutofit/>
+            </a:bodyPr>
+            <a:lstStyle/>
+            <a:p>
+              <a:pPr marL="0" lvl="0" indent="0" algn="l" rtl="0">
+                <a:spcBef>
+                  <a:spcPts val="0"/>
+                </a:spcBef>
+                <a:spcAft>
+                  <a:spcPts val="0"/>
+                </a:spcAft>
+                <a:buNone/>
+              </a:pPr>
+              <a:endParaRPr/>
+            </a:p>
+          </p:txBody>
+        </p:sp>
+        <p:sp>
+          <p:nvSpPr>
+            <p:cNvPr id="3023" name="Google Shape;3023;p98"/>
+            <p:cNvSpPr/>
+            <p:nvPr/>
+          </p:nvSpPr>
+          <p:spPr>
+            <a:xfrm rot="-358812">
+              <a:off x="7545250" y="2151911"/>
+              <a:ext cx="1650519" cy="1577620"/>
+            </a:xfrm>
+            <a:custGeom>
+              <a:avLst/>
+              <a:gdLst/>
+              <a:ahLst/>
+              <a:cxnLst/>
+              <a:rect l="l" t="t" r="r" b="b"/>
+              <a:pathLst>
+                <a:path w="70664" h="67543" extrusionOk="0">
+                  <a:moveTo>
+                    <a:pt x="16757" y="61276"/>
+                  </a:moveTo>
+                  <a:cubicBezTo>
+                    <a:pt x="16757" y="61276"/>
+                    <a:pt x="6764" y="53718"/>
+                    <a:pt x="3197" y="44691"/>
+                  </a:cubicBezTo>
+                  <a:cubicBezTo>
+                    <a:pt x="0" y="36601"/>
+                    <a:pt x="3096" y="27301"/>
+                    <a:pt x="5055" y="26926"/>
+                  </a:cubicBezTo>
+                  <a:cubicBezTo>
+                    <a:pt x="9267" y="26121"/>
+                    <a:pt x="14965" y="14534"/>
+                    <a:pt x="19328" y="4483"/>
+                  </a:cubicBezTo>
+                  <a:cubicBezTo>
+                    <a:pt x="21273" y="0"/>
+                    <a:pt x="57527" y="29106"/>
+                    <a:pt x="64095" y="35766"/>
+                  </a:cubicBezTo>
+                  <a:cubicBezTo>
+                    <a:pt x="70663" y="42426"/>
+                    <a:pt x="47308" y="60725"/>
+                    <a:pt x="40124" y="64134"/>
+                  </a:cubicBezTo>
+                  <a:cubicBezTo>
+                    <a:pt x="32942" y="67542"/>
+                    <a:pt x="16757" y="61276"/>
+                    <a:pt x="16757" y="61276"/>
+                  </a:cubicBezTo>
+                  <a:close/>
+                </a:path>
+              </a:pathLst>
+            </a:custGeom>
+            <a:solidFill>
+              <a:schemeClr val="accent6"/>
+            </a:solidFill>
+            <a:ln>
+              <a:noFill/>
+            </a:ln>
+          </p:spPr>
+          <p:txBody>
+            <a:bodyPr spcFirstLastPara="1" wrap="square" lIns="91425" tIns="91425" rIns="91425" bIns="91425" anchor="ctr" anchorCtr="0">
+              <a:noAutofit/>
+            </a:bodyPr>
+            <a:lstStyle/>
+            <a:p>
+              <a:pPr marL="0" lvl="0" indent="0" algn="l" rtl="0">
+                <a:spcBef>
+                  <a:spcPts val="0"/>
+                </a:spcBef>
+                <a:spcAft>
+                  <a:spcPts val="0"/>
+                </a:spcAft>
+                <a:buNone/>
+              </a:pPr>
+              <a:endParaRPr/>
+            </a:p>
+          </p:txBody>
+        </p:sp>
+        <p:sp>
+          <p:nvSpPr>
+            <p:cNvPr id="3024" name="Google Shape;3024;p98"/>
+            <p:cNvSpPr/>
+            <p:nvPr/>
+          </p:nvSpPr>
+          <p:spPr>
+            <a:xfrm rot="-358812">
+              <a:off x="6685890" y="2388790"/>
+              <a:ext cx="1673479" cy="1083054"/>
+            </a:xfrm>
+            <a:custGeom>
+              <a:avLst/>
+              <a:gdLst/>
+              <a:ahLst/>
+              <a:cxnLst/>
+              <a:rect l="l" t="t" r="r" b="b"/>
+              <a:pathLst>
+                <a:path w="71647" h="46369" extrusionOk="0">
+                  <a:moveTo>
+                    <a:pt x="55014" y="7375"/>
+                  </a:moveTo>
+                  <a:cubicBezTo>
+                    <a:pt x="52129" y="12817"/>
+                    <a:pt x="41607" y="25707"/>
+                    <a:pt x="35402" y="29433"/>
+                  </a:cubicBezTo>
+                  <a:cubicBezTo>
+                    <a:pt x="32471" y="31192"/>
+                    <a:pt x="4671" y="12337"/>
+                    <a:pt x="4671" y="12337"/>
+                  </a:cubicBezTo>
+                  <a:cubicBezTo>
+                    <a:pt x="4671" y="12337"/>
+                    <a:pt x="0" y="11879"/>
+                    <a:pt x="2844" y="16429"/>
+                  </a:cubicBezTo>
+                  <a:cubicBezTo>
+                    <a:pt x="5695" y="20994"/>
+                    <a:pt x="26861" y="46369"/>
+                    <a:pt x="38706" y="42795"/>
+                  </a:cubicBezTo>
+                  <a:cubicBezTo>
+                    <a:pt x="50551" y="39220"/>
+                    <a:pt x="68732" y="22307"/>
+                    <a:pt x="70001" y="14967"/>
+                  </a:cubicBezTo>
+                  <a:cubicBezTo>
+                    <a:pt x="71647" y="5452"/>
+                    <a:pt x="58923" y="1"/>
+                    <a:pt x="55014" y="7375"/>
+                  </a:cubicBezTo>
+                  <a:close/>
+                </a:path>
+              </a:pathLst>
+            </a:custGeom>
+            <a:solidFill>
+              <a:schemeClr val="accent4"/>
+            </a:solidFill>
+            <a:ln>
+              <a:noFill/>
+            </a:ln>
+          </p:spPr>
+          <p:txBody>
+            <a:bodyPr spcFirstLastPara="1" wrap="square" lIns="91425" tIns="91425" rIns="91425" bIns="91425" anchor="ctr" anchorCtr="0">
+              <a:noAutofit/>
+            </a:bodyPr>
+            <a:lstStyle/>
+            <a:p>
+              <a:pPr marL="0" lvl="0" indent="0" algn="l" rtl="0">
+                <a:spcBef>
+                  <a:spcPts val="0"/>
+                </a:spcBef>
+                <a:spcAft>
+                  <a:spcPts val="0"/>
+                </a:spcAft>
+                <a:buNone/>
+              </a:pPr>
+              <a:endParaRPr/>
+            </a:p>
+          </p:txBody>
+        </p:sp>
+        <p:sp>
+          <p:nvSpPr>
+            <p:cNvPr id="3025" name="Google Shape;3025;p98"/>
+            <p:cNvSpPr/>
+            <p:nvPr/>
+          </p:nvSpPr>
+          <p:spPr>
+            <a:xfrm rot="-358812">
+              <a:off x="6418666" y="2640404"/>
+              <a:ext cx="465721" cy="295213"/>
+            </a:xfrm>
+            <a:custGeom>
+              <a:avLst/>
+              <a:gdLst/>
+              <a:ahLst/>
+              <a:cxnLst/>
+              <a:rect l="l" t="t" r="r" b="b"/>
+              <a:pathLst>
+                <a:path w="19939" h="12639" extrusionOk="0">
+                  <a:moveTo>
+                    <a:pt x="9866" y="1593"/>
+                  </a:moveTo>
+                  <a:cubicBezTo>
+                    <a:pt x="10946" y="3001"/>
+                    <a:pt x="16229" y="4499"/>
+                    <a:pt x="19401" y="9607"/>
+                  </a:cubicBezTo>
+                  <a:cubicBezTo>
+                    <a:pt x="19507" y="9779"/>
+                    <a:pt x="19939" y="12295"/>
+                    <a:pt x="18220" y="12513"/>
+                  </a:cubicBezTo>
+                  <a:cubicBezTo>
+                    <a:pt x="17216" y="12638"/>
+                    <a:pt x="14035" y="12175"/>
+                    <a:pt x="10308" y="10294"/>
+                  </a:cubicBezTo>
+                  <a:cubicBezTo>
+                    <a:pt x="8093" y="9174"/>
+                    <a:pt x="3969" y="7405"/>
+                    <a:pt x="2307" y="6680"/>
+                  </a:cubicBezTo>
+                  <a:cubicBezTo>
+                    <a:pt x="624" y="5945"/>
+                    <a:pt x="1307" y="5534"/>
+                    <a:pt x="2504" y="5916"/>
+                  </a:cubicBezTo>
+                  <a:cubicBezTo>
+                    <a:pt x="3557" y="6251"/>
+                    <a:pt x="7317" y="7272"/>
+                    <a:pt x="7317" y="7272"/>
+                  </a:cubicBezTo>
+                  <a:cubicBezTo>
+                    <a:pt x="7317" y="7272"/>
+                    <a:pt x="2616" y="5183"/>
+                    <a:pt x="1451" y="4587"/>
+                  </a:cubicBezTo>
+                  <a:cubicBezTo>
+                    <a:pt x="398" y="4048"/>
+                    <a:pt x="1" y="3106"/>
+                    <a:pt x="1445" y="3627"/>
+                  </a:cubicBezTo>
+                  <a:cubicBezTo>
+                    <a:pt x="2628" y="4054"/>
+                    <a:pt x="7117" y="5963"/>
+                    <a:pt x="7117" y="5963"/>
+                  </a:cubicBezTo>
+                  <a:cubicBezTo>
+                    <a:pt x="7117" y="5963"/>
+                    <a:pt x="2359" y="3151"/>
+                    <a:pt x="1272" y="2416"/>
+                  </a:cubicBezTo>
+                  <a:cubicBezTo>
+                    <a:pt x="529" y="1915"/>
+                    <a:pt x="687" y="1163"/>
+                    <a:pt x="2147" y="1894"/>
+                  </a:cubicBezTo>
+                  <a:cubicBezTo>
+                    <a:pt x="3316" y="2481"/>
+                    <a:pt x="7958" y="4806"/>
+                    <a:pt x="7958" y="4806"/>
+                  </a:cubicBezTo>
+                  <a:cubicBezTo>
+                    <a:pt x="7958" y="4806"/>
+                    <a:pt x="4260" y="2345"/>
+                    <a:pt x="3280" y="1693"/>
+                  </a:cubicBezTo>
+                  <a:cubicBezTo>
+                    <a:pt x="2183" y="961"/>
+                    <a:pt x="2161" y="0"/>
+                    <a:pt x="4060" y="1055"/>
+                  </a:cubicBezTo>
+                  <a:cubicBezTo>
+                    <a:pt x="5489" y="1850"/>
+                    <a:pt x="8974" y="3416"/>
+                    <a:pt x="10923" y="4405"/>
+                  </a:cubicBezTo>
+                  <a:cubicBezTo>
+                    <a:pt x="10176" y="3807"/>
+                    <a:pt x="8549" y="2604"/>
+                    <a:pt x="8697" y="1042"/>
+                  </a:cubicBezTo>
+                  <a:cubicBezTo>
+                    <a:pt x="8726" y="742"/>
+                    <a:pt x="8919" y="364"/>
+                    <a:pt x="9866" y="1593"/>
+                  </a:cubicBezTo>
+                  <a:close/>
+                </a:path>
+              </a:pathLst>
+            </a:custGeom>
+            <a:solidFill>
+              <a:schemeClr val="accent4"/>
+            </a:solidFill>
+            <a:ln>
+              <a:noFill/>
+            </a:ln>
+          </p:spPr>
+          <p:txBody>
+            <a:bodyPr spcFirstLastPara="1" wrap="square" lIns="91425" tIns="91425" rIns="91425" bIns="91425" anchor="ctr" anchorCtr="0">
+              <a:noAutofit/>
+            </a:bodyPr>
+            <a:lstStyle/>
+            <a:p>
+              <a:pPr marL="0" lvl="0" indent="0" algn="l" rtl="0">
+                <a:spcBef>
+                  <a:spcPts val="0"/>
+                </a:spcBef>
+                <a:spcAft>
+                  <a:spcPts val="0"/>
+                </a:spcAft>
+                <a:buNone/>
+              </a:pPr>
+              <a:endParaRPr/>
+            </a:p>
+          </p:txBody>
+        </p:sp>
+      </p:grpSp>
+    </p:spTree>
+  </p:cSld>
+  <p:clrMapOvr>
+    <a:masterClrMapping/>
+  </p:clrMapOvr>
+  <p:timing>
+    <p:tnLst>
+      <p:par>
+        <p:cTn id="1" dur="indefinite" restart="never" nodeType="tmRoot">
+          <p:childTnLst>
+            <p:seq concurrent="1" nextAc="seek">
+              <p:cTn id="2" dur="indefinite" nodeType="mainSeq">
+                <p:childTnLst>
+                  <p:par>
+                    <p:cTn id="3" fill="hold">
+                      <p:stCondLst>
+                        <p:cond delay="indefinite"/>
+                        <p:cond evt="onBegin" delay="0">
+                          <p:tn val="2"/>
+                        </p:cond>
+                      </p:stCondLst>
+                      <p:childTnLst>
+                        <p:par>
+                          <p:cTn id="4" fill="hold">
+                            <p:stCondLst>
+                              <p:cond delay="0"/>
+                            </p:stCondLst>
+                            <p:childTnLst>
+                              <p:par>
+                                <p:cTn id="5" presetID="2" presetClass="entr" presetSubtype="2" fill="hold" nodeType="withEffect">
+                                  <p:stCondLst>
+                                    <p:cond delay="0"/>
+                                  </p:stCondLst>
+                                  <p:childTnLst>
+                                    <p:set>
+                                      <p:cBhvr>
+                                        <p:cTn id="6" dur="1" fill="hold">
+                                          <p:stCondLst>
+                                            <p:cond delay="0"/>
+                                          </p:stCondLst>
+                                        </p:cTn>
+                                        <p:tgtEl>
+                                          <p:spTgt spid="3012"/>
+                                        </p:tgtEl>
+                                        <p:attrNameLst>
+                                          <p:attrName>style.visibility</p:attrName>
+                                        </p:attrNameLst>
+                                      </p:cBhvr>
+                                      <p:to>
+                                        <p:strVal val="visible"/>
+                                      </p:to>
+                                    </p:set>
+                                    <p:anim calcmode="lin" valueType="num">
+                                      <p:cBhvr additive="base">
+                                        <p:cTn id="7" dur="1000"/>
+                                        <p:tgtEl>
+                                          <p:spTgt spid="3012"/>
+                                        </p:tgtEl>
+                                        <p:attrNameLst>
+                                          <p:attrName>ppt_x</p:attrName>
+                                        </p:attrNameLst>
+                                      </p:cBhvr>
+                                      <p:tavLst>
+                                        <p:tav tm="0">
+                                          <p:val>
+                                            <p:strVal val="#ppt_x+1"/>
+                                          </p:val>
+                                        </p:tav>
+                                        <p:tav tm="100000">
+                                          <p:val>
+                                            <p:strVal val="#ppt_x"/>
+                                          </p:val>
+                                        </p:tav>
+                                      </p:tavLst>
+                                    </p:anim>
+                                  </p:childTnLst>
+                                </p:cTn>
+                              </p:par>
+                            </p:childTnLst>
+                          </p:cTn>
+                        </p:par>
+                      </p:childTnLst>
+                    </p:cTn>
+                  </p:par>
+                </p:childTnLst>
+              </p:cTn>
+              <p:prevCondLst>
+                <p:cond evt="onPrev" delay="0">
+                  <p:tgtEl>
+                    <p:sldTgt/>
+                  </p:tgtEl>
+                </p:cond>
+              </p:prevCondLst>
+              <p:nextCondLst>
+                <p:cond evt="onNext" delay="0">
+                  <p:tgtEl>
+                    <p:sldTgt/>
+                  </p:tgtEl>
+                </p:cond>
+              </p:nextCondLst>
+            </p:seq>
+          </p:childTnLst>
+        </p:cTn>
+      </p:par>
+    </p:tnLst>
+  </p:timing>
+</p:sld>
+</file>
+
+<file path=ppt/slides/slide7.xml><?xml version="1.0" encoding="utf-8"?>
+<p:sld xmlns:a="http://schemas.openxmlformats.org/drawingml/2006/main" xmlns:r="http://schemas.openxmlformats.org/officeDocument/2006/relationships" xmlns:p="http://schemas.openxmlformats.org/presentationml/2006/main">
+  <p:cSld>
+    <p:spTree>
+      <p:nvGrpSpPr>
         <p:cNvPr id="1" name=""/>
         <p:cNvGrpSpPr/>
         <p:nvPr/>
